--- a/.NetCoreOnKubernetes.pptx
+++ b/.NetCoreOnKubernetes.pptx
@@ -285,7 +285,7 @@
           <a:p>
             <a:fld id="{1D8BD707-D9CF-40AE-B4C6-C98DA3205C09}" type="datetimeFigureOut">
               <a:rPr lang="en-US"/>
-              <a:t>4/21/2021</a:t>
+              <a:t>4/23/2021</a:t>
             </a:fld>
             <a:endParaRPr lang="en-US"/>
           </a:p>
@@ -462,7 +462,7 @@
           <a:p>
             <a:fld id="{1D8BD707-D9CF-40AE-B4C6-C98DA3205C09}" type="datetimeFigureOut">
               <a:rPr lang="en-US"/>
-              <a:t>4/21/2021</a:t>
+              <a:t>4/23/2021</a:t>
             </a:fld>
             <a:endParaRPr lang="en-US"/>
           </a:p>
@@ -676,7 +676,7 @@
           <a:p>
             <a:fld id="{1D8BD707-D9CF-40AE-B4C6-C98DA3205C09}" type="datetimeFigureOut">
               <a:rPr lang="en-US"/>
-              <a:t>4/21/2021</a:t>
+              <a:t>4/23/2021</a:t>
             </a:fld>
             <a:endParaRPr lang="en-US"/>
           </a:p>
@@ -824,7 +824,7 @@
           <a:p>
             <a:fld id="{1D8BD707-D9CF-40AE-B4C6-C98DA3205C09}" type="datetimeFigureOut">
               <a:rPr lang="en-US"/>
-              <a:t>4/21/2021</a:t>
+              <a:t>4/23/2021</a:t>
             </a:fld>
             <a:endParaRPr lang="en-US"/>
           </a:p>
@@ -943,7 +943,7 @@
           <a:p>
             <a:fld id="{1D8BD707-D9CF-40AE-B4C6-C98DA3205C09}" type="datetimeFigureOut">
               <a:rPr lang="en-US"/>
-              <a:t>4/21/2021</a:t>
+              <a:t>4/23/2021</a:t>
             </a:fld>
             <a:endParaRPr lang="en-US"/>
           </a:p>
@@ -1168,7 +1168,7 @@
           <a:p>
             <a:fld id="{1D8BD707-D9CF-40AE-B4C6-C98DA3205C09}" type="datetimeFigureOut">
               <a:rPr lang="en-US"/>
-              <a:t>4/21/2021</a:t>
+              <a:t>4/23/2021</a:t>
             </a:fld>
             <a:endParaRPr lang="en-US"/>
           </a:p>
@@ -4797,6 +4797,10 @@
           </p:nvPr>
         </p:nvSpPr>
         <p:spPr>
+          <a:xfrm>
+            <a:off x="1204087" y="2819400"/>
+            <a:ext cx="9783825" cy="749300"/>
+          </a:xfrm>
           <a:prstGeom prst="rect">
             <a:avLst/>
           </a:prstGeom>
@@ -4866,6 +4870,62 @@
               <a:rPr spc="-250" dirty="0"/>
               <a:t>战</a:t>
             </a:r>
+          </a:p>
+        </p:txBody>
+      </p:sp>
+      <p:sp>
+        <p:nvSpPr>
+          <p:cNvPr id="5" name="object 2">
+            <a:extLst>
+              <a:ext uri="{FF2B5EF4-FFF2-40B4-BE49-F238E27FC236}">
+                <a16:creationId xmlns:a16="http://schemas.microsoft.com/office/drawing/2014/main" id="{84639054-618F-4C9E-9E53-08C8632E14C9}"/>
+              </a:ext>
+            </a:extLst>
+          </p:cNvPr>
+          <p:cNvSpPr txBox="1">
+            <a:spLocks/>
+          </p:cNvSpPr>
+          <p:nvPr/>
+        </p:nvSpPr>
+        <p:spPr>
+          <a:xfrm>
+            <a:off x="1371600" y="3657600"/>
+            <a:ext cx="9783825" cy="504625"/>
+          </a:xfrm>
+          <a:prstGeom prst="rect">
+            <a:avLst/>
+          </a:prstGeom>
+        </p:spPr>
+        <p:txBody>
+          <a:bodyPr vert="horz" wrap="square" lIns="0" tIns="12065" rIns="0" bIns="0" rtlCol="0">
+            <a:spAutoFit/>
+          </a:bodyPr>
+          <a:lstStyle>
+            <a:lvl1pPr>
+              <a:defRPr sz="4750" b="0" i="0">
+                <a:solidFill>
+                  <a:schemeClr val="tx1"/>
+                </a:solidFill>
+                <a:latin typeface="Noto Sans CJK JP Medium"/>
+                <a:ea typeface="+mj-ea"/>
+                <a:cs typeface="Noto Sans CJK JP Medium"/>
+              </a:defRPr>
+            </a:lvl1pPr>
+          </a:lstStyle>
+          <a:p>
+            <a:pPr marL="466725">
+              <a:spcBef>
+                <a:spcPts val="95"/>
+              </a:spcBef>
+              <a:tabLst>
+                <a:tab pos="2350770" algn="l"/>
+              </a:tabLst>
+            </a:pPr>
+            <a:r>
+              <a:rPr lang="en-US" altLang="zh-CN" sz="3200" kern="0" spc="-250" dirty="0"/>
+              <a:t>https://github.com/liuzhenyulive/dotnetcoreonk8s</a:t>
+            </a:r>
+            <a:endParaRPr lang="zh-CN" altLang="en-US" sz="3200" kern="0" spc="-250" dirty="0"/>
           </a:p>
         </p:txBody>
       </p:sp>
